--- a/wiki/work.pptx
+++ b/wiki/work.pptx
@@ -6,6 +6,10 @@
   </p:sldMasterIdLst>
   <p:sldIdLst>
     <p:sldId id="256" r:id="rId2"/>
+    <p:sldId id="257" r:id="rId3"/>
+    <p:sldId id="258" r:id="rId4"/>
+    <p:sldId id="259" r:id="rId5"/>
+    <p:sldId id="260" r:id="rId6"/>
   </p:sldIdLst>
   <p:sldSz cx="12192000" cy="6858000"/>
   <p:notesSz cx="6858000" cy="9144000"/>
@@ -104,6 +108,11 @@
       </a:defRPr>
     </a:lvl9pPr>
   </p:defaultTextStyle>
+  <p:extLst>
+    <p:ext uri="{EFAFB233-063F-42B5-8137-9DF3F51BA10A}">
+      <p15:sldGuideLst xmlns:p15="http://schemas.microsoft.com/office/powerpoint/2012/main"/>
+    </p:ext>
+  </p:extLst>
 </p:presentation>
 </file>
 
@@ -4087,6 +4096,1863 @@
 </p:sld>
 </file>
 
+<file path=ppt/slides/slide2.xml><?xml version="1.0" encoding="utf-8"?>
+<p:sld xmlns:a="http://schemas.openxmlformats.org/drawingml/2006/main" xmlns:r="http://schemas.openxmlformats.org/officeDocument/2006/relationships" xmlns:p="http://schemas.openxmlformats.org/presentationml/2006/main">
+  <p:cSld>
+    <p:spTree>
+      <p:nvGrpSpPr>
+        <p:cNvPr id="1" name=""/>
+        <p:cNvGrpSpPr/>
+        <p:nvPr/>
+      </p:nvGrpSpPr>
+      <p:grpSpPr>
+        <a:xfrm>
+          <a:off x="0" y="0"/>
+          <a:ext cx="0" cy="0"/>
+          <a:chOff x="0" y="0"/>
+          <a:chExt cx="0" cy="0"/>
+        </a:xfrm>
+      </p:grpSpPr>
+      <p:sp>
+        <p:nvSpPr>
+          <p:cNvPr id="7" name="正方形/長方形 6">
+            <a:extLst>
+              <a:ext uri="{FF2B5EF4-FFF2-40B4-BE49-F238E27FC236}">
+                <a16:creationId xmlns:a16="http://schemas.microsoft.com/office/drawing/2014/main" id="{2C683DC8-90B0-4778-87A3-25A40C671494}"/>
+              </a:ext>
+            </a:extLst>
+          </p:cNvPr>
+          <p:cNvSpPr/>
+          <p:nvPr/>
+        </p:nvSpPr>
+        <p:spPr>
+          <a:xfrm>
+            <a:off x="95794" y="-1"/>
+            <a:ext cx="12096205" cy="6940731"/>
+          </a:xfrm>
+          <a:prstGeom prst="rect">
+            <a:avLst/>
+          </a:prstGeom>
+        </p:spPr>
+        <p:style>
+          <a:lnRef idx="2">
+            <a:schemeClr val="accent1">
+              <a:shade val="50000"/>
+            </a:schemeClr>
+          </a:lnRef>
+          <a:fillRef idx="1">
+            <a:schemeClr val="accent1"/>
+          </a:fillRef>
+          <a:effectRef idx="0">
+            <a:schemeClr val="accent1"/>
+          </a:effectRef>
+          <a:fontRef idx="minor">
+            <a:schemeClr val="lt1"/>
+          </a:fontRef>
+        </p:style>
+        <p:txBody>
+          <a:bodyPr rtlCol="0" anchor="ctr"/>
+          <a:lstStyle/>
+          <a:p>
+            <a:pPr algn="ctr"/>
+            <a:endParaRPr kumimoji="1" lang="ja-JP" altLang="en-US"/>
+          </a:p>
+        </p:txBody>
+      </p:sp>
+      <p:pic>
+        <p:nvPicPr>
+          <p:cNvPr id="5" name="図 4">
+            <a:extLst>
+              <a:ext uri="{FF2B5EF4-FFF2-40B4-BE49-F238E27FC236}">
+                <a16:creationId xmlns:a16="http://schemas.microsoft.com/office/drawing/2014/main" id="{CB5CD235-4124-4AA6-8639-466B1DB054D5}"/>
+              </a:ext>
+            </a:extLst>
+          </p:cNvPr>
+          <p:cNvPicPr>
+            <a:picLocks noChangeAspect="1"/>
+          </p:cNvPicPr>
+          <p:nvPr/>
+        </p:nvPicPr>
+        <p:blipFill>
+          <a:blip r:embed="rId2"/>
+          <a:stretch>
+            <a:fillRect/>
+          </a:stretch>
+        </p:blipFill>
+        <p:spPr>
+          <a:xfrm>
+            <a:off x="1109662" y="1728787"/>
+            <a:ext cx="9972675" cy="3400425"/>
+          </a:xfrm>
+          <a:prstGeom prst="rect">
+            <a:avLst/>
+          </a:prstGeom>
+        </p:spPr>
+      </p:pic>
+      <p:cxnSp>
+        <p:nvCxnSpPr>
+          <p:cNvPr id="8" name="直線矢印コネクタ 7">
+            <a:extLst>
+              <a:ext uri="{FF2B5EF4-FFF2-40B4-BE49-F238E27FC236}">
+                <a16:creationId xmlns:a16="http://schemas.microsoft.com/office/drawing/2014/main" id="{F624D35A-C8E9-47A4-849B-2517D4A2FF59}"/>
+              </a:ext>
+            </a:extLst>
+          </p:cNvPr>
+          <p:cNvCxnSpPr>
+            <a:cxnSpLocks/>
+          </p:cNvCxnSpPr>
+          <p:nvPr/>
+        </p:nvCxnSpPr>
+        <p:spPr>
+          <a:xfrm flipH="1">
+            <a:off x="1593669" y="959846"/>
+            <a:ext cx="513806" cy="1095377"/>
+          </a:xfrm>
+          <a:prstGeom prst="straightConnector1">
+            <a:avLst/>
+          </a:prstGeom>
+          <a:ln w="76200">
+            <a:solidFill>
+              <a:srgbClr val="FF0000"/>
+            </a:solidFill>
+            <a:tailEnd type="triangle"/>
+          </a:ln>
+        </p:spPr>
+        <p:style>
+          <a:lnRef idx="1">
+            <a:schemeClr val="accent1"/>
+          </a:lnRef>
+          <a:fillRef idx="0">
+            <a:schemeClr val="accent1"/>
+          </a:fillRef>
+          <a:effectRef idx="0">
+            <a:schemeClr val="accent1"/>
+          </a:effectRef>
+          <a:fontRef idx="minor">
+            <a:schemeClr val="tx1"/>
+          </a:fontRef>
+        </p:style>
+      </p:cxnSp>
+      <p:sp>
+        <p:nvSpPr>
+          <p:cNvPr id="9" name="四角形: 角を丸くする 8">
+            <a:extLst>
+              <a:ext uri="{FF2B5EF4-FFF2-40B4-BE49-F238E27FC236}">
+                <a16:creationId xmlns:a16="http://schemas.microsoft.com/office/drawing/2014/main" id="{5B88FCB1-C2CA-42FB-9FE1-BF49675261DA}"/>
+              </a:ext>
+            </a:extLst>
+          </p:cNvPr>
+          <p:cNvSpPr/>
+          <p:nvPr/>
+        </p:nvSpPr>
+        <p:spPr>
+          <a:xfrm>
+            <a:off x="1074404" y="283027"/>
+            <a:ext cx="2652865" cy="1045029"/>
+          </a:xfrm>
+          <a:prstGeom prst="roundRect">
+            <a:avLst/>
+          </a:prstGeom>
+          <a:ln w="28575">
+            <a:solidFill>
+              <a:srgbClr val="FF0000"/>
+            </a:solidFill>
+          </a:ln>
+        </p:spPr>
+        <p:style>
+          <a:lnRef idx="2">
+            <a:schemeClr val="accent6"/>
+          </a:lnRef>
+          <a:fillRef idx="1">
+            <a:schemeClr val="lt1"/>
+          </a:fillRef>
+          <a:effectRef idx="0">
+            <a:schemeClr val="accent6"/>
+          </a:effectRef>
+          <a:fontRef idx="minor">
+            <a:schemeClr val="dk1"/>
+          </a:fontRef>
+        </p:style>
+        <p:txBody>
+          <a:bodyPr rtlCol="0" anchor="ctr"/>
+          <a:lstStyle/>
+          <a:p>
+            <a:pPr algn="ctr"/>
+            <a:endParaRPr kumimoji="1" lang="ja-JP" altLang="en-US" sz="2400" dirty="0">
+              <a:ln w="0"/>
+              <a:solidFill>
+                <a:srgbClr val="FF0000"/>
+              </a:solidFill>
+              <a:effectLst>
+                <a:outerShdw blurRad="38100" dist="19050" dir="2700000" algn="tl" rotWithShape="0">
+                  <a:schemeClr val="dk1">
+                    <a:alpha val="40000"/>
+                  </a:schemeClr>
+                </a:outerShdw>
+              </a:effectLst>
+              <a:latin typeface="Corbel" panose="020B0503020204020204" pitchFamily="34" charset="0"/>
+            </a:endParaRPr>
+          </a:p>
+        </p:txBody>
+      </p:sp>
+      <p:cxnSp>
+        <p:nvCxnSpPr>
+          <p:cNvPr id="11" name="直線矢印コネクタ 10">
+            <a:extLst>
+              <a:ext uri="{FF2B5EF4-FFF2-40B4-BE49-F238E27FC236}">
+                <a16:creationId xmlns:a16="http://schemas.microsoft.com/office/drawing/2014/main" id="{D929226E-7C6B-4782-AAED-D0DC78C82F4E}"/>
+              </a:ext>
+            </a:extLst>
+          </p:cNvPr>
+          <p:cNvCxnSpPr>
+            <a:cxnSpLocks/>
+          </p:cNvCxnSpPr>
+          <p:nvPr/>
+        </p:nvCxnSpPr>
+        <p:spPr>
+          <a:xfrm flipV="1">
+            <a:off x="2272255" y="2968535"/>
+            <a:ext cx="0" cy="2160677"/>
+          </a:xfrm>
+          <a:prstGeom prst="straightConnector1">
+            <a:avLst/>
+          </a:prstGeom>
+          <a:ln w="76200">
+            <a:solidFill>
+              <a:srgbClr val="FF0000"/>
+            </a:solidFill>
+            <a:tailEnd type="triangle"/>
+          </a:ln>
+        </p:spPr>
+        <p:style>
+          <a:lnRef idx="1">
+            <a:schemeClr val="accent1"/>
+          </a:lnRef>
+          <a:fillRef idx="0">
+            <a:schemeClr val="accent1"/>
+          </a:fillRef>
+          <a:effectRef idx="0">
+            <a:schemeClr val="accent1"/>
+          </a:effectRef>
+          <a:fontRef idx="minor">
+            <a:schemeClr val="tx1"/>
+          </a:fontRef>
+        </p:style>
+      </p:cxnSp>
+      <p:sp>
+        <p:nvSpPr>
+          <p:cNvPr id="12" name="四角形: 角を丸くする 11">
+            <a:extLst>
+              <a:ext uri="{FF2B5EF4-FFF2-40B4-BE49-F238E27FC236}">
+                <a16:creationId xmlns:a16="http://schemas.microsoft.com/office/drawing/2014/main" id="{8B47269A-F379-431D-9CCC-81FB5A4DD02E}"/>
+              </a:ext>
+            </a:extLst>
+          </p:cNvPr>
+          <p:cNvSpPr/>
+          <p:nvPr/>
+        </p:nvSpPr>
+        <p:spPr>
+          <a:xfrm>
+            <a:off x="1074405" y="4936603"/>
+            <a:ext cx="2395699" cy="600891"/>
+          </a:xfrm>
+          <a:prstGeom prst="roundRect">
+            <a:avLst/>
+          </a:prstGeom>
+          <a:ln w="28575">
+            <a:solidFill>
+              <a:srgbClr val="FF0000"/>
+            </a:solidFill>
+          </a:ln>
+        </p:spPr>
+        <p:style>
+          <a:lnRef idx="2">
+            <a:schemeClr val="accent6"/>
+          </a:lnRef>
+          <a:fillRef idx="1">
+            <a:schemeClr val="lt1"/>
+          </a:fillRef>
+          <a:effectRef idx="0">
+            <a:schemeClr val="accent6"/>
+          </a:effectRef>
+          <a:fontRef idx="minor">
+            <a:schemeClr val="dk1"/>
+          </a:fontRef>
+        </p:style>
+        <p:txBody>
+          <a:bodyPr rtlCol="0" anchor="ctr"/>
+          <a:lstStyle/>
+          <a:p>
+            <a:pPr algn="ctr"/>
+            <a:r>
+              <a:rPr kumimoji="1" lang="en-US" altLang="ja-JP" sz="2400" dirty="0">
+                <a:ln w="0"/>
+                <a:solidFill>
+                  <a:srgbClr val="FF0000"/>
+                </a:solidFill>
+                <a:effectLst>
+                  <a:outerShdw blurRad="38100" dist="19050" dir="2700000" algn="tl" rotWithShape="0">
+                    <a:schemeClr val="dk1">
+                      <a:alpha val="40000"/>
+                    </a:schemeClr>
+                  </a:outerShdw>
+                </a:effectLst>
+                <a:latin typeface="Corbel" panose="020B0503020204020204" pitchFamily="34" charset="0"/>
+              </a:rPr>
+              <a:t>Subroutine Start</a:t>
+            </a:r>
+            <a:endParaRPr kumimoji="1" lang="ja-JP" altLang="en-US" sz="2400" dirty="0">
+              <a:ln w="0"/>
+              <a:solidFill>
+                <a:srgbClr val="FF0000"/>
+              </a:solidFill>
+              <a:effectLst>
+                <a:outerShdw blurRad="38100" dist="19050" dir="2700000" algn="tl" rotWithShape="0">
+                  <a:schemeClr val="dk1">
+                    <a:alpha val="40000"/>
+                  </a:schemeClr>
+                </a:outerShdw>
+              </a:effectLst>
+              <a:latin typeface="Corbel" panose="020B0503020204020204" pitchFamily="34" charset="0"/>
+            </a:endParaRPr>
+          </a:p>
+        </p:txBody>
+      </p:sp>
+      <p:cxnSp>
+        <p:nvCxnSpPr>
+          <p:cNvPr id="14" name="直線矢印コネクタ 13">
+            <a:extLst>
+              <a:ext uri="{FF2B5EF4-FFF2-40B4-BE49-F238E27FC236}">
+                <a16:creationId xmlns:a16="http://schemas.microsoft.com/office/drawing/2014/main" id="{0329C74E-13EC-463C-BD9B-C02B381D438A}"/>
+              </a:ext>
+            </a:extLst>
+          </p:cNvPr>
+          <p:cNvCxnSpPr>
+            <a:cxnSpLocks/>
+          </p:cNvCxnSpPr>
+          <p:nvPr/>
+        </p:nvCxnSpPr>
+        <p:spPr>
+          <a:xfrm flipV="1">
+            <a:off x="10584586" y="3638347"/>
+            <a:ext cx="0" cy="1490865"/>
+          </a:xfrm>
+          <a:prstGeom prst="straightConnector1">
+            <a:avLst/>
+          </a:prstGeom>
+          <a:ln w="76200">
+            <a:solidFill>
+              <a:srgbClr val="FF0000"/>
+            </a:solidFill>
+            <a:tailEnd type="triangle"/>
+          </a:ln>
+        </p:spPr>
+        <p:style>
+          <a:lnRef idx="1">
+            <a:schemeClr val="accent1"/>
+          </a:lnRef>
+          <a:fillRef idx="0">
+            <a:schemeClr val="accent1"/>
+          </a:fillRef>
+          <a:effectRef idx="0">
+            <a:schemeClr val="accent1"/>
+          </a:effectRef>
+          <a:fontRef idx="minor">
+            <a:schemeClr val="tx1"/>
+          </a:fontRef>
+        </p:style>
+      </p:cxnSp>
+      <p:sp>
+        <p:nvSpPr>
+          <p:cNvPr id="16" name="四角形: 角を丸くする 15">
+            <a:extLst>
+              <a:ext uri="{FF2B5EF4-FFF2-40B4-BE49-F238E27FC236}">
+                <a16:creationId xmlns:a16="http://schemas.microsoft.com/office/drawing/2014/main" id="{6C1403AA-414D-4418-B625-61EEEDF4FAAC}"/>
+              </a:ext>
+            </a:extLst>
+          </p:cNvPr>
+          <p:cNvSpPr/>
+          <p:nvPr/>
+        </p:nvSpPr>
+        <p:spPr>
+          <a:xfrm>
+            <a:off x="9386737" y="4888704"/>
+            <a:ext cx="2395699" cy="696687"/>
+          </a:xfrm>
+          <a:prstGeom prst="roundRect">
+            <a:avLst/>
+          </a:prstGeom>
+          <a:ln w="28575">
+            <a:solidFill>
+              <a:srgbClr val="FF0000"/>
+            </a:solidFill>
+          </a:ln>
+        </p:spPr>
+        <p:style>
+          <a:lnRef idx="2">
+            <a:schemeClr val="accent6"/>
+          </a:lnRef>
+          <a:fillRef idx="1">
+            <a:schemeClr val="lt1"/>
+          </a:fillRef>
+          <a:effectRef idx="0">
+            <a:schemeClr val="accent6"/>
+          </a:effectRef>
+          <a:fontRef idx="minor">
+            <a:schemeClr val="dk1"/>
+          </a:fontRef>
+        </p:style>
+        <p:txBody>
+          <a:bodyPr rtlCol="0" anchor="ctr"/>
+          <a:lstStyle/>
+          <a:p>
+            <a:pPr algn="ctr"/>
+            <a:r>
+              <a:rPr kumimoji="1" lang="en-US" altLang="ja-JP" sz="2400" dirty="0">
+                <a:ln w="0"/>
+                <a:solidFill>
+                  <a:srgbClr val="FF0000"/>
+                </a:solidFill>
+                <a:effectLst>
+                  <a:outerShdw blurRad="38100" dist="19050" dir="2700000" algn="tl" rotWithShape="0">
+                    <a:schemeClr val="dk1">
+                      <a:alpha val="40000"/>
+                    </a:schemeClr>
+                  </a:outerShdw>
+                </a:effectLst>
+                <a:latin typeface="Corbel" panose="020B0503020204020204" pitchFamily="34" charset="0"/>
+              </a:rPr>
+              <a:t>Subroutine End</a:t>
+            </a:r>
+          </a:p>
+          <a:p>
+            <a:pPr algn="ctr"/>
+            <a:r>
+              <a:rPr lang="en-US" altLang="ja-JP" sz="2400" dirty="0">
+                <a:ln w="0"/>
+                <a:solidFill>
+                  <a:srgbClr val="FF0000"/>
+                </a:solidFill>
+                <a:effectLst>
+                  <a:outerShdw blurRad="38100" dist="19050" dir="2700000" algn="tl" rotWithShape="0">
+                    <a:schemeClr val="dk1">
+                      <a:alpha val="40000"/>
+                    </a:schemeClr>
+                  </a:outerShdw>
+                </a:effectLst>
+                <a:latin typeface="Corbel" panose="020B0503020204020204" pitchFamily="34" charset="0"/>
+              </a:rPr>
+              <a:t>(Return)</a:t>
+            </a:r>
+            <a:endParaRPr kumimoji="1" lang="ja-JP" altLang="en-US" sz="2400" dirty="0">
+              <a:ln w="0"/>
+              <a:solidFill>
+                <a:srgbClr val="FF0000"/>
+              </a:solidFill>
+              <a:effectLst>
+                <a:outerShdw blurRad="38100" dist="19050" dir="2700000" algn="tl" rotWithShape="0">
+                  <a:schemeClr val="dk1">
+                    <a:alpha val="40000"/>
+                  </a:schemeClr>
+                </a:outerShdw>
+              </a:effectLst>
+              <a:latin typeface="Corbel" panose="020B0503020204020204" pitchFamily="34" charset="0"/>
+            </a:endParaRPr>
+          </a:p>
+        </p:txBody>
+      </p:sp>
+      <p:sp>
+        <p:nvSpPr>
+          <p:cNvPr id="18" name="テキスト ボックス 17">
+            <a:extLst>
+              <a:ext uri="{FF2B5EF4-FFF2-40B4-BE49-F238E27FC236}">
+                <a16:creationId xmlns:a16="http://schemas.microsoft.com/office/drawing/2014/main" id="{BA8449A5-933D-46D0-8E33-5E786149F445}"/>
+              </a:ext>
+            </a:extLst>
+          </p:cNvPr>
+          <p:cNvSpPr txBox="1"/>
+          <p:nvPr/>
+        </p:nvSpPr>
+        <p:spPr>
+          <a:xfrm>
+            <a:off x="950859" y="248880"/>
+            <a:ext cx="2899954" cy="991746"/>
+          </a:xfrm>
+          <a:prstGeom prst="rect">
+            <a:avLst/>
+          </a:prstGeom>
+          <a:noFill/>
+        </p:spPr>
+        <p:txBody>
+          <a:bodyPr wrap="square" rtlCol="0">
+            <a:spAutoFit/>
+          </a:bodyPr>
+          <a:lstStyle/>
+          <a:p>
+            <a:pPr algn="ctr"/>
+            <a:r>
+              <a:rPr lang="en-US" altLang="ja-JP" sz="2400" dirty="0">
+                <a:ln w="0"/>
+                <a:solidFill>
+                  <a:srgbClr val="FF0000"/>
+                </a:solidFill>
+                <a:effectLst>
+                  <a:outerShdw blurRad="38100" dist="19050" dir="2700000" algn="tl" rotWithShape="0">
+                    <a:schemeClr val="dk1">
+                      <a:alpha val="40000"/>
+                    </a:schemeClr>
+                  </a:outerShdw>
+                </a:effectLst>
+                <a:latin typeface="Corbel" panose="020B0503020204020204" pitchFamily="34" charset="0"/>
+              </a:rPr>
+              <a:t>Loop</a:t>
+            </a:r>
+          </a:p>
+          <a:p>
+            <a:pPr algn="ctr">
+              <a:lnSpc>
+                <a:spcPts val="2000"/>
+              </a:lnSpc>
+            </a:pPr>
+            <a:r>
+              <a:rPr lang="en-US" altLang="ja-JP" sz="2400" dirty="0">
+                <a:ln w="0"/>
+                <a:solidFill>
+                  <a:srgbClr val="FF0000"/>
+                </a:solidFill>
+                <a:effectLst>
+                  <a:outerShdw blurRad="38100" dist="19050" dir="2700000" algn="tl" rotWithShape="0">
+                    <a:schemeClr val="dk1">
+                      <a:alpha val="40000"/>
+                    </a:schemeClr>
+                  </a:outerShdw>
+                </a:effectLst>
+                <a:latin typeface="Corbel" panose="020B0503020204020204" pitchFamily="34" charset="0"/>
+              </a:rPr>
+              <a:t>&amp;</a:t>
+            </a:r>
+          </a:p>
+          <a:p>
+            <a:pPr algn="ctr">
+              <a:lnSpc>
+                <a:spcPts val="2000"/>
+              </a:lnSpc>
+            </a:pPr>
+            <a:r>
+              <a:rPr lang="en-US" altLang="ja-JP" sz="2400" dirty="0">
+                <a:ln w="0"/>
+                <a:solidFill>
+                  <a:srgbClr val="FF0000"/>
+                </a:solidFill>
+                <a:effectLst>
+                  <a:outerShdw blurRad="38100" dist="19050" dir="2700000" algn="tl" rotWithShape="0">
+                    <a:schemeClr val="dk1">
+                      <a:alpha val="40000"/>
+                    </a:schemeClr>
+                  </a:outerShdw>
+                </a:effectLst>
+                <a:latin typeface="Corbel" panose="020B0503020204020204" pitchFamily="34" charset="0"/>
+              </a:rPr>
+              <a:t>Call Subroutine</a:t>
+            </a:r>
+          </a:p>
+        </p:txBody>
+      </p:sp>
+    </p:spTree>
+    <p:extLst>
+      <p:ext uri="{BB962C8B-B14F-4D97-AF65-F5344CB8AC3E}">
+        <p14:creationId xmlns:p14="http://schemas.microsoft.com/office/powerpoint/2010/main" val="3479465792"/>
+      </p:ext>
+    </p:extLst>
+  </p:cSld>
+  <p:clrMapOvr>
+    <a:masterClrMapping/>
+  </p:clrMapOvr>
+</p:sld>
+</file>
+
+<file path=ppt/slides/slide3.xml><?xml version="1.0" encoding="utf-8"?>
+<p:sld xmlns:a="http://schemas.openxmlformats.org/drawingml/2006/main" xmlns:r="http://schemas.openxmlformats.org/officeDocument/2006/relationships" xmlns:p="http://schemas.openxmlformats.org/presentationml/2006/main">
+  <p:cSld>
+    <p:spTree>
+      <p:nvGrpSpPr>
+        <p:cNvPr id="1" name=""/>
+        <p:cNvGrpSpPr/>
+        <p:nvPr/>
+      </p:nvGrpSpPr>
+      <p:grpSpPr>
+        <a:xfrm>
+          <a:off x="0" y="0"/>
+          <a:ext cx="0" cy="0"/>
+          <a:chOff x="0" y="0"/>
+          <a:chExt cx="0" cy="0"/>
+        </a:xfrm>
+      </p:grpSpPr>
+      <p:sp>
+        <p:nvSpPr>
+          <p:cNvPr id="6" name="正方形/長方形 5">
+            <a:extLst>
+              <a:ext uri="{FF2B5EF4-FFF2-40B4-BE49-F238E27FC236}">
+                <a16:creationId xmlns:a16="http://schemas.microsoft.com/office/drawing/2014/main" id="{6D568448-ADC5-443F-B1FB-4838E84A3132}"/>
+              </a:ext>
+            </a:extLst>
+          </p:cNvPr>
+          <p:cNvSpPr/>
+          <p:nvPr/>
+        </p:nvSpPr>
+        <p:spPr>
+          <a:xfrm>
+            <a:off x="130629" y="121920"/>
+            <a:ext cx="11922034" cy="6583680"/>
+          </a:xfrm>
+          <a:prstGeom prst="rect">
+            <a:avLst/>
+          </a:prstGeom>
+        </p:spPr>
+        <p:style>
+          <a:lnRef idx="2">
+            <a:schemeClr val="accent1">
+              <a:shade val="50000"/>
+            </a:schemeClr>
+          </a:lnRef>
+          <a:fillRef idx="1">
+            <a:schemeClr val="accent1"/>
+          </a:fillRef>
+          <a:effectRef idx="0">
+            <a:schemeClr val="accent1"/>
+          </a:effectRef>
+          <a:fontRef idx="minor">
+            <a:schemeClr val="lt1"/>
+          </a:fontRef>
+        </p:style>
+        <p:txBody>
+          <a:bodyPr rtlCol="0" anchor="ctr"/>
+          <a:lstStyle/>
+          <a:p>
+            <a:pPr algn="ctr"/>
+            <a:endParaRPr kumimoji="1" lang="ja-JP" altLang="en-US"/>
+          </a:p>
+        </p:txBody>
+      </p:sp>
+      <p:pic>
+        <p:nvPicPr>
+          <p:cNvPr id="5" name="図 4">
+            <a:extLst>
+              <a:ext uri="{FF2B5EF4-FFF2-40B4-BE49-F238E27FC236}">
+                <a16:creationId xmlns:a16="http://schemas.microsoft.com/office/drawing/2014/main" id="{8423F6F2-4DD2-44D1-BFA1-80647B5F9155}"/>
+              </a:ext>
+            </a:extLst>
+          </p:cNvPr>
+          <p:cNvPicPr>
+            <a:picLocks noChangeAspect="1"/>
+          </p:cNvPicPr>
+          <p:nvPr/>
+        </p:nvPicPr>
+        <p:blipFill>
+          <a:blip r:embed="rId2"/>
+          <a:stretch>
+            <a:fillRect/>
+          </a:stretch>
+        </p:blipFill>
+        <p:spPr>
+          <a:xfrm>
+            <a:off x="1744843" y="1390650"/>
+            <a:ext cx="5514975" cy="4076700"/>
+          </a:xfrm>
+          <a:prstGeom prst="rect">
+            <a:avLst/>
+          </a:prstGeom>
+        </p:spPr>
+      </p:pic>
+      <p:sp>
+        <p:nvSpPr>
+          <p:cNvPr id="7" name="正方形/長方形 6">
+            <a:extLst>
+              <a:ext uri="{FF2B5EF4-FFF2-40B4-BE49-F238E27FC236}">
+                <a16:creationId xmlns:a16="http://schemas.microsoft.com/office/drawing/2014/main" id="{88B78711-F18D-4B4E-8889-F3626CB30D5F}"/>
+              </a:ext>
+            </a:extLst>
+          </p:cNvPr>
+          <p:cNvSpPr/>
+          <p:nvPr/>
+        </p:nvSpPr>
+        <p:spPr>
+          <a:xfrm>
+            <a:off x="3230880" y="2934789"/>
+            <a:ext cx="1193074" cy="278674"/>
+          </a:xfrm>
+          <a:prstGeom prst="rect">
+            <a:avLst/>
+          </a:prstGeom>
+          <a:noFill/>
+          <a:ln w="57150">
+            <a:solidFill>
+              <a:srgbClr val="FF0000"/>
+            </a:solidFill>
+          </a:ln>
+        </p:spPr>
+        <p:style>
+          <a:lnRef idx="2">
+            <a:schemeClr val="accent1">
+              <a:shade val="50000"/>
+            </a:schemeClr>
+          </a:lnRef>
+          <a:fillRef idx="1">
+            <a:schemeClr val="accent1"/>
+          </a:fillRef>
+          <a:effectRef idx="0">
+            <a:schemeClr val="accent1"/>
+          </a:effectRef>
+          <a:fontRef idx="minor">
+            <a:schemeClr val="lt1"/>
+          </a:fontRef>
+        </p:style>
+        <p:txBody>
+          <a:bodyPr rtlCol="0" anchor="ctr"/>
+          <a:lstStyle/>
+          <a:p>
+            <a:pPr algn="ctr"/>
+            <a:endParaRPr kumimoji="1" lang="ja-JP" altLang="en-US"/>
+          </a:p>
+        </p:txBody>
+      </p:sp>
+      <p:sp>
+        <p:nvSpPr>
+          <p:cNvPr id="8" name="正方形/長方形 7">
+            <a:extLst>
+              <a:ext uri="{FF2B5EF4-FFF2-40B4-BE49-F238E27FC236}">
+                <a16:creationId xmlns:a16="http://schemas.microsoft.com/office/drawing/2014/main" id="{B3E994E7-6BCA-461A-B202-E4B07907F0AE}"/>
+              </a:ext>
+            </a:extLst>
+          </p:cNvPr>
+          <p:cNvSpPr/>
+          <p:nvPr/>
+        </p:nvSpPr>
+        <p:spPr>
+          <a:xfrm>
+            <a:off x="3230880" y="3442063"/>
+            <a:ext cx="1519646" cy="278674"/>
+          </a:xfrm>
+          <a:prstGeom prst="rect">
+            <a:avLst/>
+          </a:prstGeom>
+          <a:noFill/>
+          <a:ln w="57150">
+            <a:solidFill>
+              <a:srgbClr val="FF0000"/>
+            </a:solidFill>
+          </a:ln>
+        </p:spPr>
+        <p:style>
+          <a:lnRef idx="2">
+            <a:schemeClr val="accent1">
+              <a:shade val="50000"/>
+            </a:schemeClr>
+          </a:lnRef>
+          <a:fillRef idx="1">
+            <a:schemeClr val="accent1"/>
+          </a:fillRef>
+          <a:effectRef idx="0">
+            <a:schemeClr val="accent1"/>
+          </a:effectRef>
+          <a:fontRef idx="minor">
+            <a:schemeClr val="lt1"/>
+          </a:fontRef>
+        </p:style>
+        <p:txBody>
+          <a:bodyPr rtlCol="0" anchor="ctr"/>
+          <a:lstStyle/>
+          <a:p>
+            <a:pPr algn="ctr"/>
+            <a:endParaRPr kumimoji="1" lang="ja-JP" altLang="en-US"/>
+          </a:p>
+        </p:txBody>
+      </p:sp>
+      <p:sp>
+        <p:nvSpPr>
+          <p:cNvPr id="9" name="正方形/長方形 8">
+            <a:extLst>
+              <a:ext uri="{FF2B5EF4-FFF2-40B4-BE49-F238E27FC236}">
+                <a16:creationId xmlns:a16="http://schemas.microsoft.com/office/drawing/2014/main" id="{A427672A-CD79-4618-ABE1-F96406286A08}"/>
+              </a:ext>
+            </a:extLst>
+          </p:cNvPr>
+          <p:cNvSpPr/>
+          <p:nvPr/>
+        </p:nvSpPr>
+        <p:spPr>
+          <a:xfrm>
+            <a:off x="3230880" y="3947432"/>
+            <a:ext cx="1519646" cy="278674"/>
+          </a:xfrm>
+          <a:prstGeom prst="rect">
+            <a:avLst/>
+          </a:prstGeom>
+          <a:noFill/>
+          <a:ln w="57150">
+            <a:solidFill>
+              <a:srgbClr val="FF0000"/>
+            </a:solidFill>
+          </a:ln>
+        </p:spPr>
+        <p:style>
+          <a:lnRef idx="2">
+            <a:schemeClr val="accent1">
+              <a:shade val="50000"/>
+            </a:schemeClr>
+          </a:lnRef>
+          <a:fillRef idx="1">
+            <a:schemeClr val="accent1"/>
+          </a:fillRef>
+          <a:effectRef idx="0">
+            <a:schemeClr val="accent1"/>
+          </a:effectRef>
+          <a:fontRef idx="minor">
+            <a:schemeClr val="lt1"/>
+          </a:fontRef>
+        </p:style>
+        <p:txBody>
+          <a:bodyPr rtlCol="0" anchor="ctr"/>
+          <a:lstStyle/>
+          <a:p>
+            <a:pPr algn="ctr"/>
+            <a:endParaRPr kumimoji="1" lang="ja-JP" altLang="en-US"/>
+          </a:p>
+        </p:txBody>
+      </p:sp>
+      <p:sp>
+        <p:nvSpPr>
+          <p:cNvPr id="12" name="正方形/長方形 11">
+            <a:extLst>
+              <a:ext uri="{FF2B5EF4-FFF2-40B4-BE49-F238E27FC236}">
+                <a16:creationId xmlns:a16="http://schemas.microsoft.com/office/drawing/2014/main" id="{5951E163-265E-4541-B61C-8EDFDE8A3C0B}"/>
+              </a:ext>
+            </a:extLst>
+          </p:cNvPr>
+          <p:cNvSpPr/>
+          <p:nvPr/>
+        </p:nvSpPr>
+        <p:spPr>
+          <a:xfrm>
+            <a:off x="3230880" y="4459606"/>
+            <a:ext cx="600891" cy="278674"/>
+          </a:xfrm>
+          <a:prstGeom prst="rect">
+            <a:avLst/>
+          </a:prstGeom>
+          <a:noFill/>
+          <a:ln w="57150">
+            <a:solidFill>
+              <a:srgbClr val="FF0000"/>
+            </a:solidFill>
+          </a:ln>
+        </p:spPr>
+        <p:style>
+          <a:lnRef idx="2">
+            <a:schemeClr val="accent1">
+              <a:shade val="50000"/>
+            </a:schemeClr>
+          </a:lnRef>
+          <a:fillRef idx="1">
+            <a:schemeClr val="accent1"/>
+          </a:fillRef>
+          <a:effectRef idx="0">
+            <a:schemeClr val="accent1"/>
+          </a:effectRef>
+          <a:fontRef idx="minor">
+            <a:schemeClr val="lt1"/>
+          </a:fontRef>
+        </p:style>
+        <p:txBody>
+          <a:bodyPr rtlCol="0" anchor="ctr"/>
+          <a:lstStyle/>
+          <a:p>
+            <a:pPr algn="ctr"/>
+            <a:endParaRPr kumimoji="1" lang="ja-JP" altLang="en-US"/>
+          </a:p>
+        </p:txBody>
+      </p:sp>
+      <p:cxnSp>
+        <p:nvCxnSpPr>
+          <p:cNvPr id="14" name="直線コネクタ 13">
+            <a:extLst>
+              <a:ext uri="{FF2B5EF4-FFF2-40B4-BE49-F238E27FC236}">
+                <a16:creationId xmlns:a16="http://schemas.microsoft.com/office/drawing/2014/main" id="{4FF6CEEE-42BE-48CF-82FF-F091BFD05E19}"/>
+              </a:ext>
+            </a:extLst>
+          </p:cNvPr>
+          <p:cNvCxnSpPr/>
+          <p:nvPr/>
+        </p:nvCxnSpPr>
+        <p:spPr>
+          <a:xfrm>
+            <a:off x="5599612" y="3429000"/>
+            <a:ext cx="722811" cy="0"/>
+          </a:xfrm>
+          <a:prstGeom prst="line">
+            <a:avLst/>
+          </a:prstGeom>
+          <a:ln w="57150">
+            <a:solidFill>
+              <a:srgbClr val="FF0000"/>
+            </a:solidFill>
+            <a:prstDash val="sysDot"/>
+          </a:ln>
+        </p:spPr>
+        <p:style>
+          <a:lnRef idx="1">
+            <a:schemeClr val="accent1"/>
+          </a:lnRef>
+          <a:fillRef idx="0">
+            <a:schemeClr val="accent1"/>
+          </a:fillRef>
+          <a:effectRef idx="0">
+            <a:schemeClr val="accent1"/>
+          </a:effectRef>
+          <a:fontRef idx="minor">
+            <a:schemeClr val="tx1"/>
+          </a:fontRef>
+        </p:style>
+      </p:cxnSp>
+      <p:cxnSp>
+        <p:nvCxnSpPr>
+          <p:cNvPr id="15" name="直線コネクタ 14">
+            <a:extLst>
+              <a:ext uri="{FF2B5EF4-FFF2-40B4-BE49-F238E27FC236}">
+                <a16:creationId xmlns:a16="http://schemas.microsoft.com/office/drawing/2014/main" id="{B059FE43-19DD-47EF-BD42-8C4FDCA007F2}"/>
+              </a:ext>
+            </a:extLst>
+          </p:cNvPr>
+          <p:cNvCxnSpPr/>
+          <p:nvPr/>
+        </p:nvCxnSpPr>
+        <p:spPr>
+          <a:xfrm>
+            <a:off x="5599612" y="3947432"/>
+            <a:ext cx="722811" cy="0"/>
+          </a:xfrm>
+          <a:prstGeom prst="line">
+            <a:avLst/>
+          </a:prstGeom>
+          <a:ln w="57150">
+            <a:solidFill>
+              <a:srgbClr val="FF0000"/>
+            </a:solidFill>
+            <a:prstDash val="sysDot"/>
+          </a:ln>
+        </p:spPr>
+        <p:style>
+          <a:lnRef idx="1">
+            <a:schemeClr val="accent1"/>
+          </a:lnRef>
+          <a:fillRef idx="0">
+            <a:schemeClr val="accent1"/>
+          </a:fillRef>
+          <a:effectRef idx="0">
+            <a:schemeClr val="accent1"/>
+          </a:effectRef>
+          <a:fontRef idx="minor">
+            <a:schemeClr val="tx1"/>
+          </a:fontRef>
+        </p:style>
+      </p:cxnSp>
+      <p:cxnSp>
+        <p:nvCxnSpPr>
+          <p:cNvPr id="16" name="直線コネクタ 15">
+            <a:extLst>
+              <a:ext uri="{FF2B5EF4-FFF2-40B4-BE49-F238E27FC236}">
+                <a16:creationId xmlns:a16="http://schemas.microsoft.com/office/drawing/2014/main" id="{17D53538-4ABA-496F-9106-BC67F6FBC295}"/>
+              </a:ext>
+            </a:extLst>
+          </p:cNvPr>
+          <p:cNvCxnSpPr/>
+          <p:nvPr/>
+        </p:nvCxnSpPr>
+        <p:spPr>
+          <a:xfrm>
+            <a:off x="5599612" y="4475118"/>
+            <a:ext cx="722811" cy="0"/>
+          </a:xfrm>
+          <a:prstGeom prst="line">
+            <a:avLst/>
+          </a:prstGeom>
+          <a:ln w="57150">
+            <a:solidFill>
+              <a:srgbClr val="FF0000"/>
+            </a:solidFill>
+            <a:prstDash val="sysDot"/>
+          </a:ln>
+        </p:spPr>
+        <p:style>
+          <a:lnRef idx="1">
+            <a:schemeClr val="accent1"/>
+          </a:lnRef>
+          <a:fillRef idx="0">
+            <a:schemeClr val="accent1"/>
+          </a:fillRef>
+          <a:effectRef idx="0">
+            <a:schemeClr val="accent1"/>
+          </a:effectRef>
+          <a:fontRef idx="minor">
+            <a:schemeClr val="tx1"/>
+          </a:fontRef>
+        </p:style>
+      </p:cxnSp>
+      <p:cxnSp>
+        <p:nvCxnSpPr>
+          <p:cNvPr id="17" name="直線コネクタ 16">
+            <a:extLst>
+              <a:ext uri="{FF2B5EF4-FFF2-40B4-BE49-F238E27FC236}">
+                <a16:creationId xmlns:a16="http://schemas.microsoft.com/office/drawing/2014/main" id="{201C68EB-10B4-4E38-A369-42400429E1F2}"/>
+              </a:ext>
+            </a:extLst>
+          </p:cNvPr>
+          <p:cNvCxnSpPr>
+            <a:cxnSpLocks/>
+          </p:cNvCxnSpPr>
+          <p:nvPr/>
+        </p:nvCxnSpPr>
+        <p:spPr>
+          <a:xfrm>
+            <a:off x="5599612" y="5010695"/>
+            <a:ext cx="914399" cy="0"/>
+          </a:xfrm>
+          <a:prstGeom prst="line">
+            <a:avLst/>
+          </a:prstGeom>
+          <a:ln w="57150">
+            <a:solidFill>
+              <a:srgbClr val="FF0000"/>
+            </a:solidFill>
+            <a:prstDash val="sysDot"/>
+          </a:ln>
+        </p:spPr>
+        <p:style>
+          <a:lnRef idx="1">
+            <a:schemeClr val="accent1"/>
+          </a:lnRef>
+          <a:fillRef idx="0">
+            <a:schemeClr val="accent1"/>
+          </a:fillRef>
+          <a:effectRef idx="0">
+            <a:schemeClr val="accent1"/>
+          </a:effectRef>
+          <a:fontRef idx="minor">
+            <a:schemeClr val="tx1"/>
+          </a:fontRef>
+        </p:style>
+      </p:cxnSp>
+    </p:spTree>
+    <p:extLst>
+      <p:ext uri="{BB962C8B-B14F-4D97-AF65-F5344CB8AC3E}">
+        <p14:creationId xmlns:p14="http://schemas.microsoft.com/office/powerpoint/2010/main" val="2716705007"/>
+      </p:ext>
+    </p:extLst>
+  </p:cSld>
+  <p:clrMapOvr>
+    <a:masterClrMapping/>
+  </p:clrMapOvr>
+</p:sld>
+</file>
+
+<file path=ppt/slides/slide4.xml><?xml version="1.0" encoding="utf-8"?>
+<p:sld xmlns:a="http://schemas.openxmlformats.org/drawingml/2006/main" xmlns:r="http://schemas.openxmlformats.org/officeDocument/2006/relationships" xmlns:p="http://schemas.openxmlformats.org/presentationml/2006/main">
+  <p:cSld>
+    <p:spTree>
+      <p:nvGrpSpPr>
+        <p:cNvPr id="1" name=""/>
+        <p:cNvGrpSpPr/>
+        <p:nvPr/>
+      </p:nvGrpSpPr>
+      <p:grpSpPr>
+        <a:xfrm>
+          <a:off x="0" y="0"/>
+          <a:ext cx="0" cy="0"/>
+          <a:chOff x="0" y="0"/>
+          <a:chExt cx="0" cy="0"/>
+        </a:xfrm>
+      </p:grpSpPr>
+      <p:sp>
+        <p:nvSpPr>
+          <p:cNvPr id="6" name="正方形/長方形 5">
+            <a:extLst>
+              <a:ext uri="{FF2B5EF4-FFF2-40B4-BE49-F238E27FC236}">
+                <a16:creationId xmlns:a16="http://schemas.microsoft.com/office/drawing/2014/main" id="{409F9500-9CAB-4B52-BE19-17E2D4A69CCA}"/>
+              </a:ext>
+            </a:extLst>
+          </p:cNvPr>
+          <p:cNvSpPr/>
+          <p:nvPr/>
+        </p:nvSpPr>
+        <p:spPr>
+          <a:xfrm>
+            <a:off x="135467" y="0"/>
+            <a:ext cx="11977511" cy="6750756"/>
+          </a:xfrm>
+          <a:prstGeom prst="rect">
+            <a:avLst/>
+          </a:prstGeom>
+        </p:spPr>
+        <p:style>
+          <a:lnRef idx="2">
+            <a:schemeClr val="accent1">
+              <a:shade val="50000"/>
+            </a:schemeClr>
+          </a:lnRef>
+          <a:fillRef idx="1">
+            <a:schemeClr val="accent1"/>
+          </a:fillRef>
+          <a:effectRef idx="0">
+            <a:schemeClr val="accent1"/>
+          </a:effectRef>
+          <a:fontRef idx="minor">
+            <a:schemeClr val="lt1"/>
+          </a:fontRef>
+        </p:style>
+        <p:txBody>
+          <a:bodyPr rtlCol="0" anchor="ctr"/>
+          <a:lstStyle/>
+          <a:p>
+            <a:pPr algn="ctr"/>
+            <a:endParaRPr kumimoji="1" lang="ja-JP" altLang="en-US"/>
+          </a:p>
+        </p:txBody>
+      </p:sp>
+      <p:pic>
+        <p:nvPicPr>
+          <p:cNvPr id="5" name="図 4">
+            <a:extLst>
+              <a:ext uri="{FF2B5EF4-FFF2-40B4-BE49-F238E27FC236}">
+                <a16:creationId xmlns:a16="http://schemas.microsoft.com/office/drawing/2014/main" id="{BAB88A0A-90A6-4386-9000-5A0EBF3F72DC}"/>
+              </a:ext>
+            </a:extLst>
+          </p:cNvPr>
+          <p:cNvPicPr>
+            <a:picLocks noChangeAspect="1"/>
+          </p:cNvPicPr>
+          <p:nvPr/>
+        </p:nvPicPr>
+        <p:blipFill>
+          <a:blip r:embed="rId2"/>
+          <a:stretch>
+            <a:fillRect/>
+          </a:stretch>
+        </p:blipFill>
+        <p:spPr>
+          <a:xfrm>
+            <a:off x="859699" y="1090749"/>
+            <a:ext cx="6762750" cy="3962400"/>
+          </a:xfrm>
+          <a:prstGeom prst="rect">
+            <a:avLst/>
+          </a:prstGeom>
+        </p:spPr>
+      </p:pic>
+      <p:sp>
+        <p:nvSpPr>
+          <p:cNvPr id="7" name="右中かっこ 6">
+            <a:extLst>
+              <a:ext uri="{FF2B5EF4-FFF2-40B4-BE49-F238E27FC236}">
+                <a16:creationId xmlns:a16="http://schemas.microsoft.com/office/drawing/2014/main" id="{80D10677-2D88-48F4-9CC6-48545B072493}"/>
+              </a:ext>
+            </a:extLst>
+          </p:cNvPr>
+          <p:cNvSpPr/>
+          <p:nvPr/>
+        </p:nvSpPr>
+        <p:spPr>
+          <a:xfrm>
+            <a:off x="2830286" y="2638696"/>
+            <a:ext cx="661851" cy="1419497"/>
+          </a:xfrm>
+          <a:prstGeom prst="rightBrace">
+            <a:avLst/>
+          </a:prstGeom>
+          <a:ln w="57150">
+            <a:solidFill>
+              <a:srgbClr val="FF0000"/>
+            </a:solidFill>
+          </a:ln>
+        </p:spPr>
+        <p:style>
+          <a:lnRef idx="1">
+            <a:schemeClr val="accent1"/>
+          </a:lnRef>
+          <a:fillRef idx="0">
+            <a:schemeClr val="accent1"/>
+          </a:fillRef>
+          <a:effectRef idx="0">
+            <a:schemeClr val="accent1"/>
+          </a:effectRef>
+          <a:fontRef idx="minor">
+            <a:schemeClr val="tx1"/>
+          </a:fontRef>
+        </p:style>
+        <p:txBody>
+          <a:bodyPr rtlCol="0" anchor="ctr"/>
+          <a:lstStyle/>
+          <a:p>
+            <a:pPr algn="ctr"/>
+            <a:endParaRPr kumimoji="1" lang="ja-JP" altLang="en-US"/>
+          </a:p>
+        </p:txBody>
+      </p:sp>
+      <p:sp>
+        <p:nvSpPr>
+          <p:cNvPr id="8" name="正方形/長方形 7">
+            <a:extLst>
+              <a:ext uri="{FF2B5EF4-FFF2-40B4-BE49-F238E27FC236}">
+                <a16:creationId xmlns:a16="http://schemas.microsoft.com/office/drawing/2014/main" id="{307194AF-D9A3-4B39-B822-58A9F430F490}"/>
+              </a:ext>
+            </a:extLst>
+          </p:cNvPr>
+          <p:cNvSpPr/>
+          <p:nvPr/>
+        </p:nvSpPr>
+        <p:spPr>
+          <a:xfrm>
+            <a:off x="3265714" y="2943495"/>
+            <a:ext cx="2952206" cy="809898"/>
+          </a:xfrm>
+          <a:prstGeom prst="rect">
+            <a:avLst/>
+          </a:prstGeom>
+          <a:solidFill>
+            <a:schemeClr val="bg1"/>
+          </a:solidFill>
+          <a:ln w="57150">
+            <a:solidFill>
+              <a:srgbClr val="FF0000"/>
+            </a:solidFill>
+          </a:ln>
+        </p:spPr>
+        <p:style>
+          <a:lnRef idx="2">
+            <a:schemeClr val="accent1">
+              <a:shade val="50000"/>
+            </a:schemeClr>
+          </a:lnRef>
+          <a:fillRef idx="1">
+            <a:schemeClr val="accent1"/>
+          </a:fillRef>
+          <a:effectRef idx="0">
+            <a:schemeClr val="accent1"/>
+          </a:effectRef>
+          <a:fontRef idx="minor">
+            <a:schemeClr val="lt1"/>
+          </a:fontRef>
+        </p:style>
+        <p:txBody>
+          <a:bodyPr rtlCol="0" anchor="ctr"/>
+          <a:lstStyle/>
+          <a:p>
+            <a:pPr algn="ctr">
+              <a:lnSpc>
+                <a:spcPts val="1800"/>
+              </a:lnSpc>
+            </a:pPr>
+            <a:r>
+              <a:rPr lang="en-US" altLang="ja-JP" dirty="0">
+                <a:solidFill>
+                  <a:srgbClr val="FF0000"/>
+                </a:solidFill>
+              </a:rPr>
+              <a:t>Loop 10 Times</a:t>
+            </a:r>
+          </a:p>
+          <a:p>
+            <a:pPr algn="ctr">
+              <a:lnSpc>
+                <a:spcPts val="1800"/>
+              </a:lnSpc>
+            </a:pPr>
+            <a:r>
+              <a:rPr kumimoji="1" lang="en-US" altLang="ja-JP" dirty="0">
+                <a:solidFill>
+                  <a:srgbClr val="FF0000"/>
+                </a:solidFill>
+              </a:rPr>
+              <a:t>and</a:t>
+            </a:r>
+            <a:endParaRPr lang="en-US" altLang="ja-JP" dirty="0">
+              <a:solidFill>
+                <a:srgbClr val="FF0000"/>
+              </a:solidFill>
+            </a:endParaRPr>
+          </a:p>
+          <a:p>
+            <a:pPr algn="ctr">
+              <a:lnSpc>
+                <a:spcPts val="1800"/>
+              </a:lnSpc>
+            </a:pPr>
+            <a:r>
+              <a:rPr lang="en-US" altLang="ja-JP" dirty="0">
+                <a:solidFill>
+                  <a:srgbClr val="FF0000"/>
+                </a:solidFill>
+              </a:rPr>
+              <a:t>Branch by random value</a:t>
+            </a:r>
+            <a:endParaRPr kumimoji="1" lang="ja-JP" altLang="en-US" dirty="0">
+              <a:solidFill>
+                <a:srgbClr val="FF0000"/>
+              </a:solidFill>
+            </a:endParaRPr>
+          </a:p>
+        </p:txBody>
+      </p:sp>
+      <p:cxnSp>
+        <p:nvCxnSpPr>
+          <p:cNvPr id="10" name="直線矢印コネクタ 9">
+            <a:extLst>
+              <a:ext uri="{FF2B5EF4-FFF2-40B4-BE49-F238E27FC236}">
+                <a16:creationId xmlns:a16="http://schemas.microsoft.com/office/drawing/2014/main" id="{8C03EB5A-42DB-4C55-B157-AD5CCCD2F96F}"/>
+              </a:ext>
+            </a:extLst>
+          </p:cNvPr>
+          <p:cNvCxnSpPr/>
+          <p:nvPr/>
+        </p:nvCxnSpPr>
+        <p:spPr>
+          <a:xfrm flipH="1">
+            <a:off x="2725783" y="2525486"/>
+            <a:ext cx="1105988" cy="0"/>
+          </a:xfrm>
+          <a:prstGeom prst="straightConnector1">
+            <a:avLst/>
+          </a:prstGeom>
+          <a:ln w="57150">
+            <a:solidFill>
+              <a:srgbClr val="FF0000"/>
+            </a:solidFill>
+            <a:tailEnd type="triangle"/>
+          </a:ln>
+        </p:spPr>
+        <p:style>
+          <a:lnRef idx="1">
+            <a:schemeClr val="accent1"/>
+          </a:lnRef>
+          <a:fillRef idx="0">
+            <a:schemeClr val="accent1"/>
+          </a:fillRef>
+          <a:effectRef idx="0">
+            <a:schemeClr val="accent1"/>
+          </a:effectRef>
+          <a:fontRef idx="minor">
+            <a:schemeClr val="tx1"/>
+          </a:fontRef>
+        </p:style>
+      </p:cxnSp>
+      <p:sp>
+        <p:nvSpPr>
+          <p:cNvPr id="11" name="正方形/長方形 10">
+            <a:extLst>
+              <a:ext uri="{FF2B5EF4-FFF2-40B4-BE49-F238E27FC236}">
+                <a16:creationId xmlns:a16="http://schemas.microsoft.com/office/drawing/2014/main" id="{1804C478-2450-47BF-B8AF-EA5518375393}"/>
+              </a:ext>
+            </a:extLst>
+          </p:cNvPr>
+          <p:cNvSpPr/>
+          <p:nvPr/>
+        </p:nvSpPr>
+        <p:spPr>
+          <a:xfrm>
+            <a:off x="3278777" y="2333903"/>
+            <a:ext cx="2952206" cy="400588"/>
+          </a:xfrm>
+          <a:prstGeom prst="rect">
+            <a:avLst/>
+          </a:prstGeom>
+          <a:solidFill>
+            <a:schemeClr val="bg1"/>
+          </a:solidFill>
+          <a:ln w="57150">
+            <a:solidFill>
+              <a:srgbClr val="FF0000"/>
+            </a:solidFill>
+          </a:ln>
+        </p:spPr>
+        <p:style>
+          <a:lnRef idx="2">
+            <a:schemeClr val="accent1">
+              <a:shade val="50000"/>
+            </a:schemeClr>
+          </a:lnRef>
+          <a:fillRef idx="1">
+            <a:schemeClr val="accent1"/>
+          </a:fillRef>
+          <a:effectRef idx="0">
+            <a:schemeClr val="accent1"/>
+          </a:effectRef>
+          <a:fontRef idx="minor">
+            <a:schemeClr val="lt1"/>
+          </a:fontRef>
+        </p:style>
+        <p:txBody>
+          <a:bodyPr rtlCol="0" anchor="ctr"/>
+          <a:lstStyle/>
+          <a:p>
+            <a:pPr algn="ctr">
+              <a:lnSpc>
+                <a:spcPts val="1800"/>
+              </a:lnSpc>
+            </a:pPr>
+            <a:r>
+              <a:rPr kumimoji="1" lang="en-US" altLang="ja-JP" dirty="0">
+                <a:solidFill>
+                  <a:srgbClr val="FF0000"/>
+                </a:solidFill>
+              </a:rPr>
+              <a:t>Call Subroutine</a:t>
+            </a:r>
+            <a:endParaRPr kumimoji="1" lang="ja-JP" altLang="en-US" dirty="0">
+              <a:solidFill>
+                <a:srgbClr val="FF0000"/>
+              </a:solidFill>
+            </a:endParaRPr>
+          </a:p>
+        </p:txBody>
+      </p:sp>
+    </p:spTree>
+    <p:extLst>
+      <p:ext uri="{BB962C8B-B14F-4D97-AF65-F5344CB8AC3E}">
+        <p14:creationId xmlns:p14="http://schemas.microsoft.com/office/powerpoint/2010/main" val="2332369135"/>
+      </p:ext>
+    </p:extLst>
+  </p:cSld>
+  <p:clrMapOvr>
+    <a:masterClrMapping/>
+  </p:clrMapOvr>
+</p:sld>
+</file>
+
+<file path=ppt/slides/slide5.xml><?xml version="1.0" encoding="utf-8"?>
+<p:sld xmlns:a="http://schemas.openxmlformats.org/drawingml/2006/main" xmlns:r="http://schemas.openxmlformats.org/officeDocument/2006/relationships" xmlns:p="http://schemas.openxmlformats.org/presentationml/2006/main">
+  <p:cSld>
+    <p:spTree>
+      <p:nvGrpSpPr>
+        <p:cNvPr id="1" name=""/>
+        <p:cNvGrpSpPr/>
+        <p:nvPr/>
+      </p:nvGrpSpPr>
+      <p:grpSpPr>
+        <a:xfrm>
+          <a:off x="0" y="0"/>
+          <a:ext cx="0" cy="0"/>
+          <a:chOff x="0" y="0"/>
+          <a:chExt cx="0" cy="0"/>
+        </a:xfrm>
+      </p:grpSpPr>
+      <p:graphicFrame>
+        <p:nvGraphicFramePr>
+          <p:cNvPr id="4" name="オブジェクト 3">
+            <a:extLst>
+              <a:ext uri="{FF2B5EF4-FFF2-40B4-BE49-F238E27FC236}">
+                <a16:creationId xmlns:a16="http://schemas.microsoft.com/office/drawing/2014/main" id="{6B78CCA1-915E-4761-AD34-E21D07CA3779}"/>
+              </a:ext>
+            </a:extLst>
+          </p:cNvPr>
+          <p:cNvGraphicFramePr>
+            <a:graphicFrameLocks noChangeAspect="1"/>
+          </p:cNvGraphicFramePr>
+          <p:nvPr>
+            <p:extLst>
+              <p:ext uri="{D42A27DB-BD31-4B8C-83A1-F6EECF244321}">
+                <p14:modId xmlns:p14="http://schemas.microsoft.com/office/powerpoint/2010/main" val="3874317242"/>
+              </p:ext>
+            </p:extLst>
+          </p:nvPr>
+        </p:nvGraphicFramePr>
+        <p:xfrm>
+          <a:off x="1563688" y="1206500"/>
+          <a:ext cx="9066212" cy="4443413"/>
+        </p:xfrm>
+        <a:graphic>
+          <a:graphicData uri="http://schemas.openxmlformats.org/presentationml/2006/ole">
+            <mc:AlternateContent xmlns:mc="http://schemas.openxmlformats.org/markup-compatibility/2006">
+              <mc:Choice xmlns:v="urn:schemas-microsoft-com:vml" Requires="v">
+                <p:oleObj spid="_x0000_s1026" name="Image" r:id="rId3" imgW="9066600" imgH="4444200" progId="Photoshop.Image.9">
+                  <p:embed/>
+                </p:oleObj>
+              </mc:Choice>
+              <mc:Fallback>
+                <p:oleObj name="Image" r:id="rId3" imgW="9066600" imgH="4444200" progId="Photoshop.Image.9">
+                  <p:embed/>
+                  <p:pic>
+                    <p:nvPicPr>
+                      <p:cNvPr id="0" name=""/>
+                      <p:cNvPicPr/>
+                      <p:nvPr/>
+                    </p:nvPicPr>
+                    <p:blipFill>
+                      <a:blip r:embed="rId4"/>
+                      <a:stretch>
+                        <a:fillRect/>
+                      </a:stretch>
+                    </p:blipFill>
+                    <p:spPr>
+                      <a:xfrm>
+                        <a:off x="1563688" y="1206500"/>
+                        <a:ext cx="9066212" cy="4443413"/>
+                      </a:xfrm>
+                      <a:prstGeom prst="rect">
+                        <a:avLst/>
+                      </a:prstGeom>
+                    </p:spPr>
+                  </p:pic>
+                </p:oleObj>
+              </mc:Fallback>
+            </mc:AlternateContent>
+          </a:graphicData>
+        </a:graphic>
+      </p:graphicFrame>
+      <p:sp>
+        <p:nvSpPr>
+          <p:cNvPr id="5" name="正方形/長方形 4">
+            <a:extLst>
+              <a:ext uri="{FF2B5EF4-FFF2-40B4-BE49-F238E27FC236}">
+                <a16:creationId xmlns:a16="http://schemas.microsoft.com/office/drawing/2014/main" id="{CCACF807-A8B7-4DAF-B0AC-E675E9808625}"/>
+              </a:ext>
+            </a:extLst>
+          </p:cNvPr>
+          <p:cNvSpPr/>
+          <p:nvPr/>
+        </p:nvSpPr>
+        <p:spPr>
+          <a:xfrm>
+            <a:off x="4667794" y="2124891"/>
+            <a:ext cx="4493623" cy="2795452"/>
+          </a:xfrm>
+          <a:custGeom>
+            <a:avLst/>
+            <a:gdLst>
+              <a:gd name="connsiteX0" fmla="*/ 0 w 4493623"/>
+              <a:gd name="connsiteY0" fmla="*/ 0 h 2795452"/>
+              <a:gd name="connsiteX1" fmla="*/ 651575 w 4493623"/>
+              <a:gd name="connsiteY1" fmla="*/ 0 h 2795452"/>
+              <a:gd name="connsiteX2" fmla="*/ 1213278 w 4493623"/>
+              <a:gd name="connsiteY2" fmla="*/ 0 h 2795452"/>
+              <a:gd name="connsiteX3" fmla="*/ 1864854 w 4493623"/>
+              <a:gd name="connsiteY3" fmla="*/ 0 h 2795452"/>
+              <a:gd name="connsiteX4" fmla="*/ 2426556 w 4493623"/>
+              <a:gd name="connsiteY4" fmla="*/ 0 h 2795452"/>
+              <a:gd name="connsiteX5" fmla="*/ 2988259 w 4493623"/>
+              <a:gd name="connsiteY5" fmla="*/ 0 h 2795452"/>
+              <a:gd name="connsiteX6" fmla="*/ 3415153 w 4493623"/>
+              <a:gd name="connsiteY6" fmla="*/ 0 h 2795452"/>
+              <a:gd name="connsiteX7" fmla="*/ 3931920 w 4493623"/>
+              <a:gd name="connsiteY7" fmla="*/ 0 h 2795452"/>
+              <a:gd name="connsiteX8" fmla="*/ 4493623 w 4493623"/>
+              <a:gd name="connsiteY8" fmla="*/ 0 h 2795452"/>
+              <a:gd name="connsiteX9" fmla="*/ 4493623 w 4493623"/>
+              <a:gd name="connsiteY9" fmla="*/ 531136 h 2795452"/>
+              <a:gd name="connsiteX10" fmla="*/ 4493623 w 4493623"/>
+              <a:gd name="connsiteY10" fmla="*/ 1034317 h 2795452"/>
+              <a:gd name="connsiteX11" fmla="*/ 4493623 w 4493623"/>
+              <a:gd name="connsiteY11" fmla="*/ 1593408 h 2795452"/>
+              <a:gd name="connsiteX12" fmla="*/ 4493623 w 4493623"/>
+              <a:gd name="connsiteY12" fmla="*/ 2124544 h 2795452"/>
+              <a:gd name="connsiteX13" fmla="*/ 4493623 w 4493623"/>
+              <a:gd name="connsiteY13" fmla="*/ 2795452 h 2795452"/>
+              <a:gd name="connsiteX14" fmla="*/ 3842048 w 4493623"/>
+              <a:gd name="connsiteY14" fmla="*/ 2795452 h 2795452"/>
+              <a:gd name="connsiteX15" fmla="*/ 3325281 w 4493623"/>
+              <a:gd name="connsiteY15" fmla="*/ 2795452 h 2795452"/>
+              <a:gd name="connsiteX16" fmla="*/ 2853451 w 4493623"/>
+              <a:gd name="connsiteY16" fmla="*/ 2795452 h 2795452"/>
+              <a:gd name="connsiteX17" fmla="*/ 2381620 w 4493623"/>
+              <a:gd name="connsiteY17" fmla="*/ 2795452 h 2795452"/>
+              <a:gd name="connsiteX18" fmla="*/ 1954726 w 4493623"/>
+              <a:gd name="connsiteY18" fmla="*/ 2795452 h 2795452"/>
+              <a:gd name="connsiteX19" fmla="*/ 1482896 w 4493623"/>
+              <a:gd name="connsiteY19" fmla="*/ 2795452 h 2795452"/>
+              <a:gd name="connsiteX20" fmla="*/ 966129 w 4493623"/>
+              <a:gd name="connsiteY20" fmla="*/ 2795452 h 2795452"/>
+              <a:gd name="connsiteX21" fmla="*/ 0 w 4493623"/>
+              <a:gd name="connsiteY21" fmla="*/ 2795452 h 2795452"/>
+              <a:gd name="connsiteX22" fmla="*/ 0 w 4493623"/>
+              <a:gd name="connsiteY22" fmla="*/ 2264316 h 2795452"/>
+              <a:gd name="connsiteX23" fmla="*/ 0 w 4493623"/>
+              <a:gd name="connsiteY23" fmla="*/ 1649317 h 2795452"/>
+              <a:gd name="connsiteX24" fmla="*/ 0 w 4493623"/>
+              <a:gd name="connsiteY24" fmla="*/ 1034317 h 2795452"/>
+              <a:gd name="connsiteX25" fmla="*/ 0 w 4493623"/>
+              <a:gd name="connsiteY25" fmla="*/ 0 h 2795452"/>
+            </a:gdLst>
+            <a:ahLst/>
+            <a:cxnLst>
+              <a:cxn ang="0">
+                <a:pos x="connsiteX0" y="connsiteY0"/>
+              </a:cxn>
+              <a:cxn ang="0">
+                <a:pos x="connsiteX1" y="connsiteY1"/>
+              </a:cxn>
+              <a:cxn ang="0">
+                <a:pos x="connsiteX2" y="connsiteY2"/>
+              </a:cxn>
+              <a:cxn ang="0">
+                <a:pos x="connsiteX3" y="connsiteY3"/>
+              </a:cxn>
+              <a:cxn ang="0">
+                <a:pos x="connsiteX4" y="connsiteY4"/>
+              </a:cxn>
+              <a:cxn ang="0">
+                <a:pos x="connsiteX5" y="connsiteY5"/>
+              </a:cxn>
+              <a:cxn ang="0">
+                <a:pos x="connsiteX6" y="connsiteY6"/>
+              </a:cxn>
+              <a:cxn ang="0">
+                <a:pos x="connsiteX7" y="connsiteY7"/>
+              </a:cxn>
+              <a:cxn ang="0">
+                <a:pos x="connsiteX8" y="connsiteY8"/>
+              </a:cxn>
+              <a:cxn ang="0">
+                <a:pos x="connsiteX9" y="connsiteY9"/>
+              </a:cxn>
+              <a:cxn ang="0">
+                <a:pos x="connsiteX10" y="connsiteY10"/>
+              </a:cxn>
+              <a:cxn ang="0">
+                <a:pos x="connsiteX11" y="connsiteY11"/>
+              </a:cxn>
+              <a:cxn ang="0">
+                <a:pos x="connsiteX12" y="connsiteY12"/>
+              </a:cxn>
+              <a:cxn ang="0">
+                <a:pos x="connsiteX13" y="connsiteY13"/>
+              </a:cxn>
+              <a:cxn ang="0">
+                <a:pos x="connsiteX14" y="connsiteY14"/>
+              </a:cxn>
+              <a:cxn ang="0">
+                <a:pos x="connsiteX15" y="connsiteY15"/>
+              </a:cxn>
+              <a:cxn ang="0">
+                <a:pos x="connsiteX16" y="connsiteY16"/>
+              </a:cxn>
+              <a:cxn ang="0">
+                <a:pos x="connsiteX17" y="connsiteY17"/>
+              </a:cxn>
+              <a:cxn ang="0">
+                <a:pos x="connsiteX18" y="connsiteY18"/>
+              </a:cxn>
+              <a:cxn ang="0">
+                <a:pos x="connsiteX19" y="connsiteY19"/>
+              </a:cxn>
+              <a:cxn ang="0">
+                <a:pos x="connsiteX20" y="connsiteY20"/>
+              </a:cxn>
+              <a:cxn ang="0">
+                <a:pos x="connsiteX21" y="connsiteY21"/>
+              </a:cxn>
+              <a:cxn ang="0">
+                <a:pos x="connsiteX22" y="connsiteY22"/>
+              </a:cxn>
+              <a:cxn ang="0">
+                <a:pos x="connsiteX23" y="connsiteY23"/>
+              </a:cxn>
+              <a:cxn ang="0">
+                <a:pos x="connsiteX24" y="connsiteY24"/>
+              </a:cxn>
+              <a:cxn ang="0">
+                <a:pos x="connsiteX25" y="connsiteY25"/>
+              </a:cxn>
+            </a:cxnLst>
+            <a:rect l="l" t="t" r="r" b="b"/>
+            <a:pathLst>
+              <a:path w="4493623" h="2795452" extrusionOk="0">
+                <a:moveTo>
+                  <a:pt x="0" y="0"/>
+                </a:moveTo>
+                <a:cubicBezTo>
+                  <a:pt x="155963" y="-22093"/>
+                  <a:pt x="395190" y="22269"/>
+                  <a:pt x="651575" y="0"/>
+                </a:cubicBezTo>
+                <a:cubicBezTo>
+                  <a:pt x="907960" y="-22269"/>
+                  <a:pt x="990605" y="43658"/>
+                  <a:pt x="1213278" y="0"/>
+                </a:cubicBezTo>
+                <a:cubicBezTo>
+                  <a:pt x="1435951" y="-43658"/>
+                  <a:pt x="1545434" y="14406"/>
+                  <a:pt x="1864854" y="0"/>
+                </a:cubicBezTo>
+                <a:cubicBezTo>
+                  <a:pt x="2184274" y="-14406"/>
+                  <a:pt x="2167255" y="50728"/>
+                  <a:pt x="2426556" y="0"/>
+                </a:cubicBezTo>
+                <a:cubicBezTo>
+                  <a:pt x="2685857" y="-50728"/>
+                  <a:pt x="2766346" y="7132"/>
+                  <a:pt x="2988259" y="0"/>
+                </a:cubicBezTo>
+                <a:cubicBezTo>
+                  <a:pt x="3210172" y="-7132"/>
+                  <a:pt x="3240128" y="39823"/>
+                  <a:pt x="3415153" y="0"/>
+                </a:cubicBezTo>
+                <a:cubicBezTo>
+                  <a:pt x="3590178" y="-39823"/>
+                  <a:pt x="3787824" y="7593"/>
+                  <a:pt x="3931920" y="0"/>
+                </a:cubicBezTo>
+                <a:cubicBezTo>
+                  <a:pt x="4076016" y="-7593"/>
+                  <a:pt x="4293937" y="21"/>
+                  <a:pt x="4493623" y="0"/>
+                </a:cubicBezTo>
+                <a:cubicBezTo>
+                  <a:pt x="4533886" y="110045"/>
+                  <a:pt x="4476483" y="291005"/>
+                  <a:pt x="4493623" y="531136"/>
+                </a:cubicBezTo>
+                <a:cubicBezTo>
+                  <a:pt x="4510763" y="771267"/>
+                  <a:pt x="4464371" y="791038"/>
+                  <a:pt x="4493623" y="1034317"/>
+                </a:cubicBezTo>
+                <a:cubicBezTo>
+                  <a:pt x="4522875" y="1277596"/>
+                  <a:pt x="4476041" y="1403267"/>
+                  <a:pt x="4493623" y="1593408"/>
+                </a:cubicBezTo>
+                <a:cubicBezTo>
+                  <a:pt x="4511205" y="1783549"/>
+                  <a:pt x="4452339" y="1951822"/>
+                  <a:pt x="4493623" y="2124544"/>
+                </a:cubicBezTo>
+                <a:cubicBezTo>
+                  <a:pt x="4534907" y="2297266"/>
+                  <a:pt x="4435009" y="2531097"/>
+                  <a:pt x="4493623" y="2795452"/>
+                </a:cubicBezTo>
+                <a:cubicBezTo>
+                  <a:pt x="4188690" y="2826656"/>
+                  <a:pt x="4041037" y="2788692"/>
+                  <a:pt x="3842048" y="2795452"/>
+                </a:cubicBezTo>
+                <a:cubicBezTo>
+                  <a:pt x="3643059" y="2802212"/>
+                  <a:pt x="3553961" y="2789839"/>
+                  <a:pt x="3325281" y="2795452"/>
+                </a:cubicBezTo>
+                <a:cubicBezTo>
+                  <a:pt x="3096601" y="2801065"/>
+                  <a:pt x="2949445" y="2766319"/>
+                  <a:pt x="2853451" y="2795452"/>
+                </a:cubicBezTo>
+                <a:cubicBezTo>
+                  <a:pt x="2757457" y="2824585"/>
+                  <a:pt x="2549273" y="2770172"/>
+                  <a:pt x="2381620" y="2795452"/>
+                </a:cubicBezTo>
+                <a:cubicBezTo>
+                  <a:pt x="2213967" y="2820732"/>
+                  <a:pt x="2109584" y="2780989"/>
+                  <a:pt x="1954726" y="2795452"/>
+                </a:cubicBezTo>
+                <a:cubicBezTo>
+                  <a:pt x="1799868" y="2809915"/>
+                  <a:pt x="1588985" y="2778570"/>
+                  <a:pt x="1482896" y="2795452"/>
+                </a:cubicBezTo>
+                <a:cubicBezTo>
+                  <a:pt x="1376807" y="2812334"/>
+                  <a:pt x="1184650" y="2747450"/>
+                  <a:pt x="966129" y="2795452"/>
+                </a:cubicBezTo>
+                <a:cubicBezTo>
+                  <a:pt x="747608" y="2843454"/>
+                  <a:pt x="239250" y="2759030"/>
+                  <a:pt x="0" y="2795452"/>
+                </a:cubicBezTo>
+                <a:cubicBezTo>
+                  <a:pt x="-37961" y="2648441"/>
+                  <a:pt x="46863" y="2420538"/>
+                  <a:pt x="0" y="2264316"/>
+                </a:cubicBezTo>
+                <a:cubicBezTo>
+                  <a:pt x="-46863" y="2108094"/>
+                  <a:pt x="17716" y="1919375"/>
+                  <a:pt x="0" y="1649317"/>
+                </a:cubicBezTo>
+                <a:cubicBezTo>
+                  <a:pt x="-17716" y="1379259"/>
+                  <a:pt x="46717" y="1337722"/>
+                  <a:pt x="0" y="1034317"/>
+                </a:cubicBezTo>
+                <a:cubicBezTo>
+                  <a:pt x="-46717" y="730912"/>
+                  <a:pt x="36888" y="288180"/>
+                  <a:pt x="0" y="0"/>
+                </a:cubicBezTo>
+                <a:close/>
+              </a:path>
+            </a:pathLst>
+          </a:custGeom>
+          <a:noFill/>
+          <a:ln w="57150">
+            <a:solidFill>
+              <a:srgbClr val="FF0000"/>
+            </a:solidFill>
+            <a:extLst>
+              <a:ext uri="{C807C97D-BFC1-408E-A445-0C87EB9F89A2}">
+                <ask:lineSketchStyleProps xmlns:ask="http://schemas.microsoft.com/office/drawing/2018/sketchyshapes" sd="3618707280">
+                  <a:prstGeom prst="rect">
+                    <a:avLst/>
+                  </a:prstGeom>
+                  <ask:type>
+                    <ask:lineSketchScribble/>
+                  </ask:type>
+                </ask:lineSketchStyleProps>
+              </a:ext>
+            </a:extLst>
+          </a:ln>
+        </p:spPr>
+        <p:style>
+          <a:lnRef idx="2">
+            <a:schemeClr val="accent1">
+              <a:shade val="50000"/>
+            </a:schemeClr>
+          </a:lnRef>
+          <a:fillRef idx="1">
+            <a:schemeClr val="accent1"/>
+          </a:fillRef>
+          <a:effectRef idx="0">
+            <a:schemeClr val="accent1"/>
+          </a:effectRef>
+          <a:fontRef idx="minor">
+            <a:schemeClr val="lt1"/>
+          </a:fontRef>
+        </p:style>
+        <p:txBody>
+          <a:bodyPr rtlCol="0" anchor="ctr"/>
+          <a:lstStyle/>
+          <a:p>
+            <a:pPr algn="ctr"/>
+            <a:endParaRPr kumimoji="1" lang="ja-JP" altLang="en-US"/>
+          </a:p>
+        </p:txBody>
+      </p:sp>
+    </p:spTree>
+    <p:extLst>
+      <p:ext uri="{BB962C8B-B14F-4D97-AF65-F5344CB8AC3E}">
+        <p14:creationId xmlns:p14="http://schemas.microsoft.com/office/powerpoint/2010/main" val="3830052529"/>
+      </p:ext>
+    </p:extLst>
+  </p:cSld>
+  <p:clrMapOvr>
+    <a:masterClrMapping/>
+  </p:clrMapOvr>
+</p:sld>
+</file>
+
 <file path=ppt/theme/theme1.xml><?xml version="1.0" encoding="utf-8"?>
 <a:theme xmlns:a="http://schemas.openxmlformats.org/drawingml/2006/main" name="Office テーマ">
   <a:themeElements>

--- a/wiki/work.pptx
+++ b/wiki/work.pptx
@@ -10,6 +10,7 @@
     <p:sldId id="258" r:id="rId4"/>
     <p:sldId id="259" r:id="rId5"/>
     <p:sldId id="260" r:id="rId6"/>
+    <p:sldId id="261" r:id="rId7"/>
   </p:sldIdLst>
   <p:sldSz cx="12192000" cy="6858000"/>
   <p:notesSz cx="6858000" cy="9144000"/>
@@ -5572,7 +5573,7 @@
           <a:graphicData uri="http://schemas.openxmlformats.org/presentationml/2006/ole">
             <mc:AlternateContent xmlns:mc="http://schemas.openxmlformats.org/markup-compatibility/2006">
               <mc:Choice xmlns:v="urn:schemas-microsoft-com:vml" Requires="v">
-                <p:oleObj spid="_x0000_s1026" name="Image" r:id="rId3" imgW="9066600" imgH="4444200" progId="Photoshop.Image.9">
+                <p:oleObj spid="_x0000_s1027" name="Image" r:id="rId3" imgW="9066600" imgH="4444200" progId="Photoshop.Image.9">
                   <p:embed/>
                 </p:oleObj>
               </mc:Choice>
@@ -5944,6 +5945,273 @@
     <p:extLst>
       <p:ext uri="{BB962C8B-B14F-4D97-AF65-F5344CB8AC3E}">
         <p14:creationId xmlns:p14="http://schemas.microsoft.com/office/powerpoint/2010/main" val="3830052529"/>
+      </p:ext>
+    </p:extLst>
+  </p:cSld>
+  <p:clrMapOvr>
+    <a:masterClrMapping/>
+  </p:clrMapOvr>
+</p:sld>
+</file>
+
+<file path=ppt/slides/slide6.xml><?xml version="1.0" encoding="utf-8"?>
+<p:sld xmlns:a="http://schemas.openxmlformats.org/drawingml/2006/main" xmlns:r="http://schemas.openxmlformats.org/officeDocument/2006/relationships" xmlns:p="http://schemas.openxmlformats.org/presentationml/2006/main">
+  <p:cSld>
+    <p:spTree>
+      <p:nvGrpSpPr>
+        <p:cNvPr id="1" name=""/>
+        <p:cNvGrpSpPr/>
+        <p:nvPr/>
+      </p:nvGrpSpPr>
+      <p:grpSpPr>
+        <a:xfrm>
+          <a:off x="0" y="0"/>
+          <a:ext cx="0" cy="0"/>
+          <a:chOff x="0" y="0"/>
+          <a:chExt cx="0" cy="0"/>
+        </a:xfrm>
+      </p:grpSpPr>
+      <p:sp>
+        <p:nvSpPr>
+          <p:cNvPr id="6" name="正方形/長方形 5">
+            <a:extLst>
+              <a:ext uri="{FF2B5EF4-FFF2-40B4-BE49-F238E27FC236}">
+                <a16:creationId xmlns:a16="http://schemas.microsoft.com/office/drawing/2014/main" id="{F6319238-0E3D-4DD1-9B3B-C4B84E63B853}"/>
+              </a:ext>
+            </a:extLst>
+          </p:cNvPr>
+          <p:cNvSpPr/>
+          <p:nvPr/>
+        </p:nvSpPr>
+        <p:spPr>
+          <a:xfrm>
+            <a:off x="0" y="0"/>
+            <a:ext cx="12192000" cy="6858000"/>
+          </a:xfrm>
+          <a:prstGeom prst="rect">
+            <a:avLst/>
+          </a:prstGeom>
+        </p:spPr>
+        <p:style>
+          <a:lnRef idx="2">
+            <a:schemeClr val="accent1">
+              <a:shade val="50000"/>
+            </a:schemeClr>
+          </a:lnRef>
+          <a:fillRef idx="1">
+            <a:schemeClr val="accent1"/>
+          </a:fillRef>
+          <a:effectRef idx="0">
+            <a:schemeClr val="accent1"/>
+          </a:effectRef>
+          <a:fontRef idx="minor">
+            <a:schemeClr val="lt1"/>
+          </a:fontRef>
+        </p:style>
+        <p:txBody>
+          <a:bodyPr rtlCol="0" anchor="ctr"/>
+          <a:lstStyle/>
+          <a:p>
+            <a:pPr algn="ctr"/>
+            <a:endParaRPr kumimoji="1" lang="ja-JP" altLang="en-US"/>
+          </a:p>
+        </p:txBody>
+      </p:sp>
+      <p:pic>
+        <p:nvPicPr>
+          <p:cNvPr id="5" name="図 4">
+            <a:extLst>
+              <a:ext uri="{FF2B5EF4-FFF2-40B4-BE49-F238E27FC236}">
+                <a16:creationId xmlns:a16="http://schemas.microsoft.com/office/drawing/2014/main" id="{5113BDC1-6078-44E1-9C87-A58F8524FB9B}"/>
+              </a:ext>
+            </a:extLst>
+          </p:cNvPr>
+          <p:cNvPicPr>
+            <a:picLocks noChangeAspect="1"/>
+          </p:cNvPicPr>
+          <p:nvPr/>
+        </p:nvPicPr>
+        <p:blipFill>
+          <a:blip r:embed="rId2"/>
+          <a:stretch>
+            <a:fillRect/>
+          </a:stretch>
+        </p:blipFill>
+        <p:spPr>
+          <a:xfrm>
+            <a:off x="1791379" y="3028950"/>
+            <a:ext cx="5038725" cy="400050"/>
+          </a:xfrm>
+          <a:prstGeom prst="rect">
+            <a:avLst/>
+          </a:prstGeom>
+        </p:spPr>
+      </p:pic>
+      <p:sp>
+        <p:nvSpPr>
+          <p:cNvPr id="7" name="正方形/長方形 6">
+            <a:extLst>
+              <a:ext uri="{FF2B5EF4-FFF2-40B4-BE49-F238E27FC236}">
+                <a16:creationId xmlns:a16="http://schemas.microsoft.com/office/drawing/2014/main" id="{203670DB-3A58-4983-84A6-96CE8BD43D7A}"/>
+              </a:ext>
+            </a:extLst>
+          </p:cNvPr>
+          <p:cNvSpPr/>
+          <p:nvPr/>
+        </p:nvSpPr>
+        <p:spPr>
+          <a:xfrm>
+            <a:off x="5634446" y="3028950"/>
+            <a:ext cx="984068" cy="400050"/>
+          </a:xfrm>
+          <a:prstGeom prst="rect">
+            <a:avLst/>
+          </a:prstGeom>
+          <a:noFill/>
+          <a:ln w="76200">
+            <a:solidFill>
+              <a:srgbClr val="FF0000"/>
+            </a:solidFill>
+          </a:ln>
+        </p:spPr>
+        <p:style>
+          <a:lnRef idx="2">
+            <a:schemeClr val="accent1">
+              <a:shade val="50000"/>
+            </a:schemeClr>
+          </a:lnRef>
+          <a:fillRef idx="1">
+            <a:schemeClr val="accent1"/>
+          </a:fillRef>
+          <a:effectRef idx="0">
+            <a:schemeClr val="accent1"/>
+          </a:effectRef>
+          <a:fontRef idx="minor">
+            <a:schemeClr val="lt1"/>
+          </a:fontRef>
+        </p:style>
+        <p:txBody>
+          <a:bodyPr rtlCol="0" anchor="ctr"/>
+          <a:lstStyle/>
+          <a:p>
+            <a:pPr algn="ctr"/>
+            <a:endParaRPr kumimoji="1" lang="ja-JP" altLang="en-US"/>
+          </a:p>
+        </p:txBody>
+      </p:sp>
+      <p:cxnSp>
+        <p:nvCxnSpPr>
+          <p:cNvPr id="8" name="直線矢印コネクタ 7">
+            <a:extLst>
+              <a:ext uri="{FF2B5EF4-FFF2-40B4-BE49-F238E27FC236}">
+                <a16:creationId xmlns:a16="http://schemas.microsoft.com/office/drawing/2014/main" id="{C0C3FC9C-2EF5-47D2-8CA5-11D6B9152D65}"/>
+              </a:ext>
+            </a:extLst>
+          </p:cNvPr>
+          <p:cNvCxnSpPr>
+            <a:cxnSpLocks/>
+          </p:cNvCxnSpPr>
+          <p:nvPr/>
+        </p:nvCxnSpPr>
+        <p:spPr>
+          <a:xfrm flipH="1">
+            <a:off x="6361611" y="1880636"/>
+            <a:ext cx="513806" cy="1095377"/>
+          </a:xfrm>
+          <a:prstGeom prst="straightConnector1">
+            <a:avLst/>
+          </a:prstGeom>
+          <a:ln w="76200">
+            <a:solidFill>
+              <a:srgbClr val="FF0000"/>
+            </a:solidFill>
+            <a:tailEnd type="triangle"/>
+          </a:ln>
+        </p:spPr>
+        <p:style>
+          <a:lnRef idx="1">
+            <a:schemeClr val="accent1"/>
+          </a:lnRef>
+          <a:fillRef idx="0">
+            <a:schemeClr val="accent1"/>
+          </a:fillRef>
+          <a:effectRef idx="0">
+            <a:schemeClr val="accent1"/>
+          </a:effectRef>
+          <a:fontRef idx="minor">
+            <a:schemeClr val="tx1"/>
+          </a:fontRef>
+        </p:style>
+      </p:cxnSp>
+      <p:sp>
+        <p:nvSpPr>
+          <p:cNvPr id="10" name="四角形: 角を丸くする 9">
+            <a:extLst>
+              <a:ext uri="{FF2B5EF4-FFF2-40B4-BE49-F238E27FC236}">
+                <a16:creationId xmlns:a16="http://schemas.microsoft.com/office/drawing/2014/main" id="{77F2B216-F0A1-47DA-AB9B-1020721B452C}"/>
+              </a:ext>
+            </a:extLst>
+          </p:cNvPr>
+          <p:cNvSpPr/>
+          <p:nvPr/>
+        </p:nvSpPr>
+        <p:spPr>
+          <a:xfrm>
+            <a:off x="6092937" y="1585227"/>
+            <a:ext cx="1464143" cy="696687"/>
+          </a:xfrm>
+          <a:prstGeom prst="roundRect">
+            <a:avLst/>
+          </a:prstGeom>
+          <a:ln w="28575">
+            <a:solidFill>
+              <a:srgbClr val="FF0000"/>
+            </a:solidFill>
+          </a:ln>
+        </p:spPr>
+        <p:style>
+          <a:lnRef idx="2">
+            <a:schemeClr val="accent6"/>
+          </a:lnRef>
+          <a:fillRef idx="1">
+            <a:schemeClr val="lt1"/>
+          </a:fillRef>
+          <a:effectRef idx="0">
+            <a:schemeClr val="accent6"/>
+          </a:effectRef>
+          <a:fontRef idx="minor">
+            <a:schemeClr val="dk1"/>
+          </a:fontRef>
+        </p:style>
+        <p:txBody>
+          <a:bodyPr rtlCol="0" anchor="ctr"/>
+          <a:lstStyle/>
+          <a:p>
+            <a:pPr algn="ctr"/>
+            <a:r>
+              <a:rPr kumimoji="1" lang="en-US" altLang="ja-JP" sz="2400" dirty="0">
+                <a:ln w="0"/>
+                <a:solidFill>
+                  <a:srgbClr val="FF0000"/>
+                </a:solidFill>
+                <a:effectLst>
+                  <a:outerShdw blurRad="38100" dist="19050" dir="2700000" algn="tl" rotWithShape="0">
+                    <a:schemeClr val="dk1">
+                      <a:alpha val="40000"/>
+                    </a:schemeClr>
+                  </a:outerShdw>
+                </a:effectLst>
+                <a:latin typeface="Corbel" panose="020B0503020204020204" pitchFamily="34" charset="0"/>
+              </a:rPr>
+              <a:t>Filter</a:t>
+            </a:r>
+          </a:p>
+        </p:txBody>
+      </p:sp>
+    </p:spTree>
+    <p:extLst>
+      <p:ext uri="{BB962C8B-B14F-4D97-AF65-F5344CB8AC3E}">
+        <p14:creationId xmlns:p14="http://schemas.microsoft.com/office/powerpoint/2010/main" val="2883228265"/>
       </p:ext>
     </p:extLst>
   </p:cSld>
